--- a/slides/5. API OpenAI - Considerações finais.pptx
+++ b/slides/5. API OpenAI - Considerações finais.pptx
@@ -5,7 +5,7 @@
     <p:sldMasterId id="2147483659" r:id="rId1"/>
   </p:sldMasterIdLst>
   <p:notesMasterIdLst>
-    <p:notesMasterId r:id="rId22"/>
+    <p:notesMasterId r:id="rId24"/>
   </p:notesMasterIdLst>
   <p:sldIdLst>
     <p:sldId id="256" r:id="rId2"/>
@@ -28,23 +28,25 @@
     <p:sldId id="277" r:id="rId19"/>
     <p:sldId id="278" r:id="rId20"/>
     <p:sldId id="276" r:id="rId21"/>
+    <p:sldId id="279" r:id="rId22"/>
+    <p:sldId id="280" r:id="rId23"/>
   </p:sldIdLst>
   <p:sldSz cx="9144000" cy="5143500" type="screen16x9"/>
   <p:notesSz cx="6858000" cy="9144000"/>
   <p:embeddedFontLst>
     <p:embeddedFont>
       <p:font typeface="Lato" panose="020B0604020202020204" charset="0"/>
-      <p:regular r:id="rId23"/>
-      <p:bold r:id="rId24"/>
-      <p:italic r:id="rId25"/>
-      <p:boldItalic r:id="rId26"/>
+      <p:regular r:id="rId25"/>
+      <p:bold r:id="rId26"/>
+      <p:italic r:id="rId27"/>
+      <p:boldItalic r:id="rId28"/>
     </p:embeddedFont>
     <p:embeddedFont>
       <p:font typeface="Raleway" panose="020B0604020202020204" charset="0"/>
-      <p:regular r:id="rId27"/>
-      <p:bold r:id="rId28"/>
-      <p:italic r:id="rId29"/>
-      <p:boldItalic r:id="rId30"/>
+      <p:regular r:id="rId29"/>
+      <p:bold r:id="rId30"/>
+      <p:italic r:id="rId31"/>
+      <p:boldItalic r:id="rId32"/>
     </p:embeddedFont>
   </p:embeddedFontLst>
   <p:defaultTextStyle>
@@ -2135,6 +2137,225 @@
     <p:extLst>
       <p:ext uri="{BB962C8B-B14F-4D97-AF65-F5344CB8AC3E}">
         <p14:creationId xmlns:p14="http://schemas.microsoft.com/office/powerpoint/2010/main" val="2100184702"/>
+      </p:ext>
+    </p:extLst>
+  </p:cSld>
+  <p:clrMapOvr>
+    <a:masterClrMapping/>
+  </p:clrMapOvr>
+</p:notes>
+</file>
+
+<file path=ppt/notesSlides/notesSlide21.xml><?xml version="1.0" encoding="utf-8"?>
+<p:notes xmlns:a="http://schemas.openxmlformats.org/drawingml/2006/main" xmlns:r="http://schemas.openxmlformats.org/officeDocument/2006/relationships" xmlns:p="http://schemas.openxmlformats.org/presentationml/2006/main" showMasterSp="0" showMasterPhAnim="0">
+  <p:cSld>
+    <p:spTree>
+      <p:nvGrpSpPr>
+        <p:cNvPr id="1" name="Shape 165"/>
+        <p:cNvGrpSpPr/>
+        <p:nvPr/>
+      </p:nvGrpSpPr>
+      <p:grpSpPr>
+        <a:xfrm>
+          <a:off x="0" y="0"/>
+          <a:ext cx="0" cy="0"/>
+          <a:chOff x="0" y="0"/>
+          <a:chExt cx="0" cy="0"/>
+        </a:xfrm>
+      </p:grpSpPr>
+      <p:sp>
+        <p:nvSpPr>
+          <p:cNvPr id="166" name="Google Shape;166;g1213d54c501_0_48:notes"/>
+          <p:cNvSpPr>
+            <a:spLocks noGrp="1" noRot="1" noChangeAspect="1"/>
+          </p:cNvSpPr>
+          <p:nvPr>
+            <p:ph type="sldImg" idx="2"/>
+          </p:nvPr>
+        </p:nvSpPr>
+        <p:spPr>
+          <a:xfrm>
+            <a:off x="381000" y="685800"/>
+            <a:ext cx="6096000" cy="3429000"/>
+          </a:xfrm>
+          <a:custGeom>
+            <a:avLst/>
+            <a:gdLst/>
+            <a:ahLst/>
+            <a:cxnLst/>
+            <a:rect l="l" t="t" r="r" b="b"/>
+            <a:pathLst>
+              <a:path w="120000" h="120000" extrusionOk="0">
+                <a:moveTo>
+                  <a:pt x="0" y="0"/>
+                </a:moveTo>
+                <a:lnTo>
+                  <a:pt x="120000" y="0"/>
+                </a:lnTo>
+                <a:lnTo>
+                  <a:pt x="120000" y="120000"/>
+                </a:lnTo>
+                <a:lnTo>
+                  <a:pt x="0" y="120000"/>
+                </a:lnTo>
+                <a:close/>
+              </a:path>
+            </a:pathLst>
+          </a:custGeom>
+        </p:spPr>
+      </p:sp>
+      <p:sp>
+        <p:nvSpPr>
+          <p:cNvPr id="167" name="Google Shape;167;g1213d54c501_0_48:notes"/>
+          <p:cNvSpPr txBox="1">
+            <a:spLocks noGrp="1"/>
+          </p:cNvSpPr>
+          <p:nvPr>
+            <p:ph type="body" idx="1"/>
+          </p:nvPr>
+        </p:nvSpPr>
+        <p:spPr>
+          <a:xfrm>
+            <a:off x="685800" y="4343400"/>
+            <a:ext cx="5486400" cy="4114800"/>
+          </a:xfrm>
+          <a:prstGeom prst="rect">
+            <a:avLst/>
+          </a:prstGeom>
+        </p:spPr>
+        <p:txBody>
+          <a:bodyPr spcFirstLastPara="1" wrap="square" lIns="91425" tIns="91425" rIns="91425" bIns="91425" anchor="t" anchorCtr="0">
+            <a:noAutofit/>
+          </a:bodyPr>
+          <a:lstStyle/>
+          <a:p>
+            <a:pPr marL="457200" lvl="0" indent="-298450" algn="l" rtl="0">
+              <a:spcBef>
+                <a:spcPts val="0"/>
+              </a:spcBef>
+              <a:spcAft>
+                <a:spcPts val="0"/>
+              </a:spcAft>
+              <a:buSzPts val="1100"/>
+              <a:buChar char="-"/>
+            </a:pPr>
+            <a:endParaRPr/>
+          </a:p>
+        </p:txBody>
+      </p:sp>
+    </p:spTree>
+    <p:extLst>
+      <p:ext uri="{BB962C8B-B14F-4D97-AF65-F5344CB8AC3E}">
+        <p14:creationId xmlns:p14="http://schemas.microsoft.com/office/powerpoint/2010/main" val="3838336715"/>
+      </p:ext>
+    </p:extLst>
+  </p:cSld>
+  <p:clrMapOvr>
+    <a:masterClrMapping/>
+  </p:clrMapOvr>
+</p:notes>
+</file>
+
+<file path=ppt/notesSlides/notesSlide22.xml><?xml version="1.0" encoding="utf-8"?>
+<p:notes xmlns:a="http://schemas.openxmlformats.org/drawingml/2006/main" xmlns:r="http://schemas.openxmlformats.org/officeDocument/2006/relationships" xmlns:p="http://schemas.openxmlformats.org/presentationml/2006/main" showMasterSp="0" showMasterPhAnim="0">
+  <p:cSld>
+    <p:spTree>
+      <p:nvGrpSpPr>
+        <p:cNvPr id="1" name="Shape 427"/>
+        <p:cNvGrpSpPr/>
+        <p:nvPr/>
+      </p:nvGrpSpPr>
+      <p:grpSpPr>
+        <a:xfrm>
+          <a:off x="0" y="0"/>
+          <a:ext cx="0" cy="0"/>
+          <a:chOff x="0" y="0"/>
+          <a:chExt cx="0" cy="0"/>
+        </a:xfrm>
+      </p:grpSpPr>
+      <p:sp>
+        <p:nvSpPr>
+          <p:cNvPr id="428" name="Google Shape;428;gfeeccd5a61_0_0:notes"/>
+          <p:cNvSpPr>
+            <a:spLocks noGrp="1" noRot="1" noChangeAspect="1"/>
+          </p:cNvSpPr>
+          <p:nvPr>
+            <p:ph type="sldImg" idx="2"/>
+          </p:nvPr>
+        </p:nvSpPr>
+        <p:spPr>
+          <a:xfrm>
+            <a:off x="381000" y="685800"/>
+            <a:ext cx="6096000" cy="3429000"/>
+          </a:xfrm>
+          <a:custGeom>
+            <a:avLst/>
+            <a:gdLst/>
+            <a:ahLst/>
+            <a:cxnLst/>
+            <a:rect l="l" t="t" r="r" b="b"/>
+            <a:pathLst>
+              <a:path w="120000" h="120000" extrusionOk="0">
+                <a:moveTo>
+                  <a:pt x="0" y="0"/>
+                </a:moveTo>
+                <a:lnTo>
+                  <a:pt x="120000" y="0"/>
+                </a:lnTo>
+                <a:lnTo>
+                  <a:pt x="120000" y="120000"/>
+                </a:lnTo>
+                <a:lnTo>
+                  <a:pt x="0" y="120000"/>
+                </a:lnTo>
+                <a:close/>
+              </a:path>
+            </a:pathLst>
+          </a:custGeom>
+        </p:spPr>
+      </p:sp>
+      <p:sp>
+        <p:nvSpPr>
+          <p:cNvPr id="429" name="Google Shape;429;gfeeccd5a61_0_0:notes"/>
+          <p:cNvSpPr txBox="1">
+            <a:spLocks noGrp="1"/>
+          </p:cNvSpPr>
+          <p:nvPr>
+            <p:ph type="body" idx="1"/>
+          </p:nvPr>
+        </p:nvSpPr>
+        <p:spPr>
+          <a:xfrm>
+            <a:off x="685800" y="4343400"/>
+            <a:ext cx="5486400" cy="4114800"/>
+          </a:xfrm>
+          <a:prstGeom prst="rect">
+            <a:avLst/>
+          </a:prstGeom>
+        </p:spPr>
+        <p:txBody>
+          <a:bodyPr spcFirstLastPara="1" wrap="square" lIns="91425" tIns="91425" rIns="91425" bIns="91425" anchor="t" anchorCtr="0">
+            <a:noAutofit/>
+          </a:bodyPr>
+          <a:lstStyle/>
+          <a:p>
+            <a:pPr marL="0" lvl="0" indent="0" algn="l" rtl="0">
+              <a:spcBef>
+                <a:spcPts val="0"/>
+              </a:spcBef>
+              <a:spcAft>
+                <a:spcPts val="0"/>
+              </a:spcAft>
+              <a:buNone/>
+            </a:pPr>
+            <a:endParaRPr/>
+          </a:p>
+        </p:txBody>
+      </p:sp>
+    </p:spTree>
+    <p:extLst>
+      <p:ext uri="{BB962C8B-B14F-4D97-AF65-F5344CB8AC3E}">
+        <p14:creationId xmlns:p14="http://schemas.microsoft.com/office/powerpoint/2010/main" val="1772746621"/>
       </p:ext>
     </p:extLst>
   </p:cSld>
@@ -9534,20 +9755,26 @@
           </p:cNvPicPr>
           <p:nvPr/>
         </p:nvPicPr>
-        <p:blipFill>
+        <p:blipFill rotWithShape="1">
           <a:blip r:embed="rId4"/>
-          <a:stretch>
-            <a:fillRect/>
-          </a:stretch>
+          <a:srcRect r="880" b="1770"/>
+          <a:stretch/>
         </p:blipFill>
         <p:spPr>
           <a:xfrm>
-            <a:off x="436419" y="1049535"/>
-            <a:ext cx="7869382" cy="3557740"/>
+            <a:off x="422564" y="1076319"/>
+            <a:ext cx="7800108" cy="3494756"/>
           </a:xfrm>
           <a:prstGeom prst="rect">
             <a:avLst/>
           </a:prstGeom>
+          <a:ln>
+            <a:solidFill>
+              <a:schemeClr val="bg1">
+                <a:lumMod val="85000"/>
+              </a:schemeClr>
+            </a:solidFill>
+          </a:ln>
         </p:spPr>
       </p:pic>
     </p:spTree>
@@ -10148,7 +10375,7 @@
         </p:nvSpPr>
         <p:spPr>
           <a:xfrm>
-            <a:off x="221081" y="4404824"/>
+            <a:off x="221081" y="4446386"/>
             <a:ext cx="7445054" cy="567870"/>
           </a:xfrm>
           <a:prstGeom prst="rect">
@@ -10359,7 +10586,7 @@
         </p:nvSpPr>
         <p:spPr>
           <a:xfrm>
-            <a:off x="221081" y="4404824"/>
+            <a:off x="221081" y="4432532"/>
             <a:ext cx="7445054" cy="567870"/>
           </a:xfrm>
           <a:prstGeom prst="rect">
@@ -10582,7 +10809,7 @@
         </p:nvSpPr>
         <p:spPr>
           <a:xfrm>
-            <a:off x="221081" y="4404824"/>
+            <a:off x="221081" y="4432532"/>
             <a:ext cx="7445054" cy="567870"/>
           </a:xfrm>
           <a:prstGeom prst="rect">
@@ -10773,7 +11000,7 @@
         </p:nvSpPr>
         <p:spPr>
           <a:xfrm>
-            <a:off x="221081" y="4404824"/>
+            <a:off x="221081" y="4439459"/>
             <a:ext cx="7445054" cy="567870"/>
           </a:xfrm>
           <a:prstGeom prst="rect">
@@ -10843,6 +11070,13 @@
           <a:prstGeom prst="rect">
             <a:avLst/>
           </a:prstGeom>
+          <a:ln>
+            <a:solidFill>
+              <a:schemeClr val="bg1">
+                <a:lumMod val="85000"/>
+              </a:schemeClr>
+            </a:solidFill>
+          </a:ln>
         </p:spPr>
       </p:pic>
     </p:spTree>
@@ -11077,7 +11311,7 @@
           <a:ln>
             <a:solidFill>
               <a:schemeClr val="bg1">
-                <a:lumMod val="95000"/>
+                <a:lumMod val="85000"/>
               </a:schemeClr>
             </a:solidFill>
           </a:ln>
@@ -11148,7 +11382,7 @@
           <a:ln>
             <a:solidFill>
               <a:schemeClr val="bg1">
-                <a:lumMod val="95000"/>
+                <a:lumMod val="85000"/>
               </a:schemeClr>
             </a:solidFill>
           </a:ln>
@@ -11179,7 +11413,7 @@
           <a:ln>
             <a:solidFill>
               <a:schemeClr val="bg1">
-                <a:lumMod val="95000"/>
+                <a:lumMod val="85000"/>
               </a:schemeClr>
             </a:solidFill>
           </a:ln>
@@ -11401,7 +11635,7 @@
           <a:ln>
             <a:solidFill>
               <a:schemeClr val="bg1">
-                <a:lumMod val="95000"/>
+                <a:lumMod val="85000"/>
               </a:schemeClr>
             </a:solidFill>
           </a:ln>
@@ -11757,7 +11991,7 @@
         </p:nvSpPr>
         <p:spPr>
           <a:xfrm>
-            <a:off x="2876664" y="4769231"/>
+            <a:off x="2876664" y="4783085"/>
             <a:ext cx="3390672" cy="461665"/>
           </a:xfrm>
           <a:prstGeom prst="rect">
@@ -11807,7 +12041,7 @@
         </p:blipFill>
         <p:spPr>
           <a:xfrm>
-            <a:off x="1327379" y="1019875"/>
+            <a:off x="1327379" y="999094"/>
             <a:ext cx="6489242" cy="3725304"/>
           </a:xfrm>
           <a:prstGeom prst="rect">
@@ -11826,6 +12060,653 @@
     <p:extLst>
       <p:ext uri="{BB962C8B-B14F-4D97-AF65-F5344CB8AC3E}">
         <p14:creationId xmlns:p14="http://schemas.microsoft.com/office/powerpoint/2010/main" val="2433436362"/>
+      </p:ext>
+    </p:extLst>
+  </p:cSld>
+  <p:clrMapOvr>
+    <a:masterClrMapping/>
+  </p:clrMapOvr>
+</p:sld>
+</file>
+
+<file path=ppt/slides/slide21.xml><?xml version="1.0" encoding="utf-8"?>
+<p:sld xmlns:a="http://schemas.openxmlformats.org/drawingml/2006/main" xmlns:r="http://schemas.openxmlformats.org/officeDocument/2006/relationships" xmlns:p="http://schemas.openxmlformats.org/presentationml/2006/main">
+  <p:cSld>
+    <p:spTree>
+      <p:nvGrpSpPr>
+        <p:cNvPr id="1" name="Shape 168"/>
+        <p:cNvGrpSpPr/>
+        <p:nvPr/>
+      </p:nvGrpSpPr>
+      <p:grpSpPr>
+        <a:xfrm>
+          <a:off x="0" y="0"/>
+          <a:ext cx="0" cy="0"/>
+          <a:chOff x="0" y="0"/>
+          <a:chExt cx="0" cy="0"/>
+        </a:xfrm>
+      </p:grpSpPr>
+      <p:sp>
+        <p:nvSpPr>
+          <p:cNvPr id="169" name="Google Shape;169;p22"/>
+          <p:cNvSpPr txBox="1">
+            <a:spLocks noGrp="1"/>
+          </p:cNvSpPr>
+          <p:nvPr>
+            <p:ph type="title"/>
+          </p:nvPr>
+        </p:nvSpPr>
+        <p:spPr>
+          <a:xfrm>
+            <a:off x="246738" y="1304850"/>
+            <a:ext cx="8650524" cy="2388600"/>
+          </a:xfrm>
+          <a:prstGeom prst="rect">
+            <a:avLst/>
+          </a:prstGeom>
+        </p:spPr>
+        <p:txBody>
+          <a:bodyPr spcFirstLastPara="1" wrap="square" lIns="91425" tIns="91425" rIns="91425" bIns="91425" anchor="ctr" anchorCtr="0">
+            <a:noAutofit/>
+          </a:bodyPr>
+          <a:lstStyle/>
+          <a:p>
+            <a:pPr marL="0" lvl="0" indent="0" algn="ctr" rtl="0">
+              <a:spcBef>
+                <a:spcPts val="0"/>
+              </a:spcBef>
+              <a:spcAft>
+                <a:spcPts val="0"/>
+              </a:spcAft>
+              <a:buSzPts val="990"/>
+              <a:buNone/>
+            </a:pPr>
+            <a:r>
+              <a:rPr lang="pt-BR" sz="7200" dirty="0" smtClean="0">
+                <a:solidFill>
+                  <a:schemeClr val="accent5"/>
+                </a:solidFill>
+              </a:rPr>
+              <a:t>Aplicação</a:t>
+            </a:r>
+            <a:endParaRPr sz="7540" dirty="0">
+              <a:solidFill>
+                <a:schemeClr val="accent5"/>
+              </a:solidFill>
+            </a:endParaRPr>
+          </a:p>
+        </p:txBody>
+      </p:sp>
+      <p:sp>
+        <p:nvSpPr>
+          <p:cNvPr id="170" name="Google Shape;170;p22"/>
+          <p:cNvSpPr txBox="1">
+            <a:spLocks noGrp="1"/>
+          </p:cNvSpPr>
+          <p:nvPr>
+            <p:ph type="sldNum" idx="12"/>
+          </p:nvPr>
+        </p:nvSpPr>
+        <p:spPr>
+          <a:xfrm>
+            <a:off x="8497999" y="4688759"/>
+            <a:ext cx="548700" cy="393600"/>
+          </a:xfrm>
+          <a:prstGeom prst="rect">
+            <a:avLst/>
+          </a:prstGeom>
+        </p:spPr>
+        <p:txBody>
+          <a:bodyPr spcFirstLastPara="1" wrap="square" lIns="91425" tIns="91425" rIns="91425" bIns="91425" anchor="ctr" anchorCtr="0">
+            <a:normAutofit/>
+          </a:bodyPr>
+          <a:lstStyle/>
+          <a:p>
+            <a:pPr marL="0" lvl="0" indent="0" algn="r" rtl="0">
+              <a:spcBef>
+                <a:spcPts val="0"/>
+              </a:spcBef>
+              <a:spcAft>
+                <a:spcPts val="0"/>
+              </a:spcAft>
+              <a:buNone/>
+            </a:pPr>
+            <a:fld id="{00000000-1234-1234-1234-123412341234}" type="slidenum">
+              <a:rPr lang="pt-BR"/>
+              <a:t>21</a:t>
+            </a:fld>
+            <a:endParaRPr/>
+          </a:p>
+        </p:txBody>
+      </p:sp>
+      <p:sp>
+        <p:nvSpPr>
+          <p:cNvPr id="2" name="CaixaDeTexto 1"/>
+          <p:cNvSpPr txBox="1"/>
+          <p:nvPr/>
+        </p:nvSpPr>
+        <p:spPr>
+          <a:xfrm>
+            <a:off x="3775364" y="3057496"/>
+            <a:ext cx="1593273" cy="400110"/>
+          </a:xfrm>
+          <a:prstGeom prst="rect">
+            <a:avLst/>
+          </a:prstGeom>
+          <a:noFill/>
+        </p:spPr>
+        <p:txBody>
+          <a:bodyPr wrap="square" rtlCol="0">
+            <a:spAutoFit/>
+          </a:bodyPr>
+          <a:lstStyle/>
+          <a:p>
+            <a:pPr algn="ctr"/>
+            <a:r>
+              <a:rPr lang="pt-BR" sz="2000" dirty="0" smtClean="0"/>
+              <a:t>Java</a:t>
+            </a:r>
+            <a:endParaRPr lang="pt-BR" sz="2000" dirty="0"/>
+          </a:p>
+        </p:txBody>
+      </p:sp>
+    </p:spTree>
+    <p:extLst>
+      <p:ext uri="{BB962C8B-B14F-4D97-AF65-F5344CB8AC3E}">
+        <p14:creationId xmlns:p14="http://schemas.microsoft.com/office/powerpoint/2010/main" val="439948946"/>
+      </p:ext>
+    </p:extLst>
+  </p:cSld>
+  <p:clrMapOvr>
+    <a:masterClrMapping/>
+  </p:clrMapOvr>
+</p:sld>
+</file>
+
+<file path=ppt/slides/slide22.xml><?xml version="1.0" encoding="utf-8"?>
+<p:sld xmlns:a="http://schemas.openxmlformats.org/drawingml/2006/main" xmlns:r="http://schemas.openxmlformats.org/officeDocument/2006/relationships" xmlns:p="http://schemas.openxmlformats.org/presentationml/2006/main">
+  <p:cSld>
+    <p:spTree>
+      <p:nvGrpSpPr>
+        <p:cNvPr id="1" name="Shape 430"/>
+        <p:cNvGrpSpPr/>
+        <p:nvPr/>
+      </p:nvGrpSpPr>
+      <p:grpSpPr>
+        <a:xfrm>
+          <a:off x="0" y="0"/>
+          <a:ext cx="0" cy="0"/>
+          <a:chOff x="0" y="0"/>
+          <a:chExt cx="0" cy="0"/>
+        </a:xfrm>
+      </p:grpSpPr>
+      <p:sp>
+        <p:nvSpPr>
+          <p:cNvPr id="431" name="Google Shape;431;p50"/>
+          <p:cNvSpPr txBox="1">
+            <a:spLocks noGrp="1"/>
+          </p:cNvSpPr>
+          <p:nvPr>
+            <p:ph type="title"/>
+          </p:nvPr>
+        </p:nvSpPr>
+        <p:spPr>
+          <a:prstGeom prst="rect">
+            <a:avLst/>
+          </a:prstGeom>
+        </p:spPr>
+        <p:txBody>
+          <a:bodyPr spcFirstLastPara="1" wrap="square" lIns="91425" tIns="91425" rIns="91425" bIns="91425" anchor="t" anchorCtr="0">
+            <a:normAutofit fontScale="90000"/>
+          </a:bodyPr>
+          <a:lstStyle/>
+          <a:p>
+            <a:pPr lvl="0"/>
+            <a:r>
+              <a:rPr lang="pt-BR" dirty="0" smtClean="0">
+                <a:solidFill>
+                  <a:srgbClr val="666666"/>
+                </a:solidFill>
+              </a:rPr>
+              <a:t>Aplicação </a:t>
+            </a:r>
+            <a:r>
+              <a:rPr lang="pt-BR" dirty="0" smtClean="0">
+                <a:solidFill>
+                  <a:srgbClr val="FF0000"/>
+                </a:solidFill>
+              </a:rPr>
+              <a:t>Java</a:t>
+            </a:r>
+            <a:r>
+              <a:rPr lang="pt-BR" dirty="0" smtClean="0">
+                <a:solidFill>
+                  <a:srgbClr val="666666"/>
+                </a:solidFill>
+              </a:rPr>
+              <a:t> desenvolvida </a:t>
+            </a:r>
+            <a:r>
+              <a:rPr lang="pt-BR" dirty="0" smtClean="0">
+                <a:solidFill>
+                  <a:srgbClr val="0070C0"/>
+                </a:solidFill>
+              </a:rPr>
+              <a:t>durante o Minicurso</a:t>
+            </a:r>
+            <a:endParaRPr dirty="0">
+              <a:solidFill>
+                <a:srgbClr val="0070C0"/>
+              </a:solidFill>
+            </a:endParaRPr>
+          </a:p>
+        </p:txBody>
+      </p:sp>
+      <p:sp>
+        <p:nvSpPr>
+          <p:cNvPr id="432" name="Google Shape;432;p50"/>
+          <p:cNvSpPr txBox="1">
+            <a:spLocks noGrp="1"/>
+          </p:cNvSpPr>
+          <p:nvPr>
+            <p:ph type="sldNum" idx="12"/>
+          </p:nvPr>
+        </p:nvSpPr>
+        <p:spPr>
+          <a:prstGeom prst="rect">
+            <a:avLst/>
+          </a:prstGeom>
+        </p:spPr>
+        <p:txBody>
+          <a:bodyPr spcFirstLastPara="1" wrap="square" lIns="91425" tIns="91425" rIns="91425" bIns="91425" anchor="ctr" anchorCtr="0">
+            <a:normAutofit/>
+          </a:bodyPr>
+          <a:lstStyle/>
+          <a:p>
+            <a:pPr marL="0" lvl="0" indent="0" algn="r" rtl="0">
+              <a:spcBef>
+                <a:spcPts val="0"/>
+              </a:spcBef>
+              <a:spcAft>
+                <a:spcPts val="0"/>
+              </a:spcAft>
+              <a:buNone/>
+            </a:pPr>
+            <a:fld id="{00000000-1234-1234-1234-123412341234}" type="slidenum">
+              <a:rPr lang="pt-BR">
+                <a:solidFill>
+                  <a:schemeClr val="dk2"/>
+                </a:solidFill>
+                <a:latin typeface="Lato"/>
+                <a:ea typeface="Lato"/>
+                <a:cs typeface="Lato"/>
+                <a:sym typeface="Lato"/>
+              </a:rPr>
+              <a:t>22</a:t>
+            </a:fld>
+            <a:endParaRPr>
+              <a:solidFill>
+                <a:schemeClr val="dk2"/>
+              </a:solidFill>
+              <a:latin typeface="Lato"/>
+              <a:ea typeface="Lato"/>
+              <a:cs typeface="Lato"/>
+              <a:sym typeface="Lato"/>
+            </a:endParaRPr>
+          </a:p>
+        </p:txBody>
+      </p:sp>
+      <p:pic>
+        <p:nvPicPr>
+          <p:cNvPr id="2" name="Imagem 1"/>
+          <p:cNvPicPr>
+            <a:picLocks noChangeAspect="1"/>
+          </p:cNvPicPr>
+          <p:nvPr/>
+        </p:nvPicPr>
+        <p:blipFill>
+          <a:blip r:embed="rId3">
+            <a:extLst>
+              <a:ext uri="{28A0092B-C50C-407E-A947-70E740481C1C}">
+                <a14:useLocalDpi xmlns:a14="http://schemas.microsoft.com/office/drawing/2010/main" val="0"/>
+              </a:ext>
+            </a:extLst>
+          </a:blip>
+          <a:stretch>
+            <a:fillRect/>
+          </a:stretch>
+        </p:blipFill>
+        <p:spPr>
+          <a:xfrm>
+            <a:off x="2815936" y="1163800"/>
+            <a:ext cx="1557844" cy="2305032"/>
+          </a:xfrm>
+          <a:prstGeom prst="rect">
+            <a:avLst/>
+          </a:prstGeom>
+        </p:spPr>
+      </p:pic>
+      <p:pic>
+        <p:nvPicPr>
+          <p:cNvPr id="3" name="Imagem 2"/>
+          <p:cNvPicPr>
+            <a:picLocks noChangeAspect="1"/>
+          </p:cNvPicPr>
+          <p:nvPr/>
+        </p:nvPicPr>
+        <p:blipFill>
+          <a:blip r:embed="rId4">
+            <a:extLst>
+              <a:ext uri="{28A0092B-C50C-407E-A947-70E740481C1C}">
+                <a14:useLocalDpi xmlns:a14="http://schemas.microsoft.com/office/drawing/2010/main" val="0"/>
+              </a:ext>
+            </a:extLst>
+          </a:blip>
+          <a:stretch>
+            <a:fillRect/>
+          </a:stretch>
+        </p:blipFill>
+        <p:spPr>
+          <a:xfrm>
+            <a:off x="401781" y="1163800"/>
+            <a:ext cx="1557844" cy="2305032"/>
+          </a:xfrm>
+          <a:prstGeom prst="rect">
+            <a:avLst/>
+          </a:prstGeom>
+        </p:spPr>
+      </p:pic>
+      <p:sp>
+        <p:nvSpPr>
+          <p:cNvPr id="6" name="Retângulo 5"/>
+          <p:cNvSpPr/>
+          <p:nvPr/>
+        </p:nvSpPr>
+        <p:spPr>
+          <a:xfrm>
+            <a:off x="401781" y="3649137"/>
+            <a:ext cx="8038338" cy="1446550"/>
+          </a:xfrm>
+          <a:prstGeom prst="rect">
+            <a:avLst/>
+          </a:prstGeom>
+          <a:solidFill>
+            <a:schemeClr val="bg1">
+              <a:lumMod val="95000"/>
+            </a:schemeClr>
+          </a:solidFill>
+          <a:ln>
+            <a:solidFill>
+              <a:schemeClr val="bg1">
+                <a:lumMod val="85000"/>
+              </a:schemeClr>
+            </a:solidFill>
+          </a:ln>
+        </p:spPr>
+        <p:txBody>
+          <a:bodyPr wrap="square">
+            <a:spAutoFit/>
+          </a:bodyPr>
+          <a:lstStyle/>
+          <a:p>
+            <a:r>
+              <a:rPr lang="pt-BR" sz="1000" b="1" dirty="0" smtClean="0">
+                <a:solidFill>
+                  <a:srgbClr val="7030A0"/>
+                </a:solidFill>
+              </a:rPr>
+              <a:t>Passo 1</a:t>
+            </a:r>
+            <a:r>
+              <a:rPr lang="pt-BR" sz="1000" dirty="0" smtClean="0"/>
+              <a:t>: </a:t>
+            </a:r>
+            <a:r>
+              <a:rPr lang="pt-BR" sz="1000" dirty="0"/>
+              <a:t>baixar o arquivo </a:t>
+            </a:r>
+            <a:r>
+              <a:rPr lang="pt-BR" sz="1000" b="1" dirty="0" err="1">
+                <a:solidFill>
+                  <a:srgbClr val="0070C0"/>
+                </a:solidFill>
+              </a:rPr>
+              <a:t>jar</a:t>
+            </a:r>
+            <a:r>
+              <a:rPr lang="pt-BR" sz="1000" dirty="0" smtClean="0"/>
+              <a:t>. </a:t>
+            </a:r>
+          </a:p>
+          <a:p>
+            <a:endParaRPr lang="pt-BR" sz="200" dirty="0" smtClean="0"/>
+          </a:p>
+          <a:p>
+            <a:r>
+              <a:rPr lang="pt-BR" sz="800" dirty="0" smtClean="0"/>
+              <a:t>Disponível no </a:t>
+            </a:r>
+            <a:r>
+              <a:rPr lang="pt-BR" sz="800" b="1" dirty="0" smtClean="0"/>
+              <a:t>GitHub</a:t>
+            </a:r>
+            <a:r>
+              <a:rPr lang="pt-BR" sz="800" dirty="0" smtClean="0"/>
+              <a:t> do minicurso (</a:t>
+            </a:r>
+            <a:r>
+              <a:rPr lang="pt-BR" sz="800" dirty="0" err="1" smtClean="0"/>
+              <a:t>java</a:t>
+            </a:r>
+            <a:r>
+              <a:rPr lang="pt-BR" sz="800" dirty="0" smtClean="0"/>
+              <a:t>).</a:t>
+            </a:r>
+          </a:p>
+          <a:p>
+            <a:endParaRPr lang="pt-BR" sz="1000" dirty="0"/>
+          </a:p>
+          <a:p>
+            <a:r>
+              <a:rPr lang="pt-BR" sz="1000" b="1" dirty="0" smtClean="0">
+                <a:solidFill>
+                  <a:srgbClr val="7030A0"/>
+                </a:solidFill>
+              </a:rPr>
+              <a:t>Passo 2</a:t>
+            </a:r>
+            <a:r>
+              <a:rPr lang="pt-BR" sz="1000" dirty="0" smtClean="0"/>
+              <a:t>: na linha de comando do Windows, por exemplo, executar a seguinte instrução:</a:t>
+            </a:r>
+          </a:p>
+          <a:p>
+            <a:endParaRPr lang="pt-BR" sz="1000" dirty="0"/>
+          </a:p>
+          <a:p>
+            <a:pPr lvl="1"/>
+            <a:r>
+              <a:rPr lang="pt-BR" sz="1000" b="1" dirty="0" smtClean="0">
+                <a:solidFill>
+                  <a:srgbClr val="FF0000"/>
+                </a:solidFill>
+              </a:rPr>
+              <a:t>                </a:t>
+            </a:r>
+            <a:r>
+              <a:rPr lang="pt-BR" sz="1000" b="1" dirty="0" err="1" smtClean="0">
+                <a:solidFill>
+                  <a:srgbClr val="FF0000"/>
+                </a:solidFill>
+              </a:rPr>
+              <a:t>java</a:t>
+            </a:r>
+            <a:r>
+              <a:rPr lang="pt-BR" sz="1000" dirty="0" smtClean="0"/>
+              <a:t> </a:t>
+            </a:r>
+            <a:r>
+              <a:rPr lang="pt-BR" sz="1000" b="1" dirty="0">
+                <a:solidFill>
+                  <a:srgbClr val="0070C0"/>
+                </a:solidFill>
+              </a:rPr>
+              <a:t>-</a:t>
+            </a:r>
+            <a:r>
+              <a:rPr lang="pt-BR" sz="1000" b="1" dirty="0" err="1">
+                <a:solidFill>
+                  <a:srgbClr val="0070C0"/>
+                </a:solidFill>
+              </a:rPr>
+              <a:t>jar</a:t>
+            </a:r>
+            <a:r>
+              <a:rPr lang="pt-BR" sz="1000" b="1" dirty="0">
+                <a:solidFill>
+                  <a:srgbClr val="0070C0"/>
+                </a:solidFill>
+              </a:rPr>
+              <a:t> </a:t>
+            </a:r>
+            <a:r>
+              <a:rPr lang="pt-BR" sz="1000" b="1" dirty="0"/>
+              <a:t>open-ai-example-0.0.1-SNAPSHOT.jar</a:t>
+            </a:r>
+            <a:r>
+              <a:rPr lang="pt-BR" sz="1000" dirty="0"/>
+              <a:t> </a:t>
+            </a:r>
+            <a:r>
+              <a:rPr lang="pt-BR" sz="1000" b="1" dirty="0">
+                <a:solidFill>
+                  <a:srgbClr val="0070C0"/>
+                </a:solidFill>
+              </a:rPr>
+              <a:t>--</a:t>
+            </a:r>
+            <a:r>
+              <a:rPr lang="pt-BR" sz="1000" b="1" dirty="0" err="1">
+                <a:solidFill>
+                  <a:srgbClr val="0070C0"/>
+                </a:solidFill>
+              </a:rPr>
+              <a:t>key</a:t>
+            </a:r>
+            <a:r>
+              <a:rPr lang="pt-BR" sz="1000" b="1" dirty="0">
+                <a:solidFill>
+                  <a:srgbClr val="0070C0"/>
+                </a:solidFill>
+              </a:rPr>
+              <a:t>=</a:t>
+            </a:r>
+            <a:r>
+              <a:rPr lang="pt-BR" sz="1000" b="1" dirty="0">
+                <a:solidFill>
+                  <a:srgbClr val="FFC000"/>
+                </a:solidFill>
+              </a:rPr>
+              <a:t>COLOQUE_AQUI_SUA_KEY</a:t>
+            </a:r>
+          </a:p>
+          <a:p>
+            <a:endParaRPr lang="pt-BR" sz="1000" dirty="0" smtClean="0"/>
+          </a:p>
+          <a:p>
+            <a:r>
+              <a:rPr lang="pt-BR" sz="800" b="1" dirty="0" smtClean="0">
+                <a:solidFill>
+                  <a:srgbClr val="FF0000"/>
+                </a:solidFill>
+              </a:rPr>
+              <a:t>Importante</a:t>
+            </a:r>
+            <a:r>
+              <a:rPr lang="pt-BR" sz="800" dirty="0" smtClean="0"/>
+              <a:t>: na linha de comando, você deve executar a instrução no mesmo diretório em que o arquivo </a:t>
+            </a:r>
+            <a:r>
+              <a:rPr lang="pt-BR" sz="800" b="1" dirty="0" err="1" smtClean="0">
+                <a:solidFill>
+                  <a:srgbClr val="0070C0"/>
+                </a:solidFill>
+              </a:rPr>
+              <a:t>jar</a:t>
+            </a:r>
+            <a:r>
+              <a:rPr lang="pt-BR" sz="800" dirty="0" smtClean="0"/>
+              <a:t> está armazenado.</a:t>
+            </a:r>
+            <a:endParaRPr lang="pt-BR" sz="800" dirty="0"/>
+          </a:p>
+          <a:p>
+            <a:endParaRPr lang="pt-BR" sz="1000" dirty="0"/>
+          </a:p>
+        </p:txBody>
+      </p:sp>
+      <p:sp>
+        <p:nvSpPr>
+          <p:cNvPr id="7" name="Retângulo 6"/>
+          <p:cNvSpPr/>
+          <p:nvPr/>
+        </p:nvSpPr>
+        <p:spPr>
+          <a:xfrm>
+            <a:off x="5230091" y="1765380"/>
+            <a:ext cx="2435282" cy="1169551"/>
+          </a:xfrm>
+          <a:prstGeom prst="rect">
+            <a:avLst/>
+          </a:prstGeom>
+        </p:spPr>
+        <p:txBody>
+          <a:bodyPr wrap="none">
+            <a:spAutoFit/>
+          </a:bodyPr>
+          <a:lstStyle/>
+          <a:p>
+            <a:r>
+              <a:rPr lang="pt-BR" b="1" dirty="0" smtClean="0">
+                <a:solidFill>
+                  <a:srgbClr val="7030A0"/>
+                </a:solidFill>
+              </a:rPr>
+              <a:t>Criado por:</a:t>
+            </a:r>
+          </a:p>
+          <a:p>
+            <a:endParaRPr lang="pt-BR" dirty="0" smtClean="0"/>
+          </a:p>
+          <a:p>
+            <a:r>
+              <a:rPr lang="pt-BR" dirty="0" smtClean="0"/>
+              <a:t>Paulo </a:t>
+            </a:r>
+            <a:r>
+              <a:rPr lang="pt-BR" dirty="0"/>
+              <a:t>Adriano Brito Oliveira </a:t>
+            </a:r>
+            <a:endParaRPr lang="pt-BR" dirty="0" smtClean="0"/>
+          </a:p>
+          <a:p>
+            <a:r>
+              <a:rPr lang="pt-BR" dirty="0" smtClean="0">
+                <a:hlinkClick r:id="rId5"/>
+              </a:rPr>
+              <a:t>paulo.adriano@tjrr.jus.br</a:t>
+            </a:r>
+            <a:endParaRPr lang="pt-BR" dirty="0" smtClean="0"/>
+          </a:p>
+          <a:p>
+            <a:endParaRPr lang="pt-BR" dirty="0"/>
+          </a:p>
+        </p:txBody>
+      </p:sp>
+    </p:spTree>
+    <p:extLst>
+      <p:ext uri="{BB962C8B-B14F-4D97-AF65-F5344CB8AC3E}">
+        <p14:creationId xmlns:p14="http://schemas.microsoft.com/office/powerpoint/2010/main" val="3696304612"/>
       </p:ext>
     </p:extLst>
   </p:cSld>
